--- a/SetPresentation.pptx
+++ b/SetPresentation.pptx
@@ -208,7 +208,7 @@
           <a:p>
             <a:fld id="{68940B21-D22E-2E4B-A365-DD59F0F01079}" type="datetimeFigureOut">
               <a:rPr lang="en-US" smtClean="0"/>
-              <a:t>4/22/18</a:t>
+              <a:t>4/23/18</a:t>
             </a:fld>
             <a:endParaRPr lang="en-US"/>
           </a:p>
@@ -1974,7 +1974,7 @@
           <a:p>
             <a:fld id="{4BDF68E2-58F2-4D09-BE8B-E3BD06533059}" type="datetimeFigureOut">
               <a:rPr lang="en-US" smtClean="0"/>
-              <a:t>4/22/18</a:t>
+              <a:t>4/23/18</a:t>
             </a:fld>
             <a:endParaRPr lang="en-US" dirty="0"/>
           </a:p>
@@ -2182,7 +2182,7 @@
           <a:p>
             <a:fld id="{2E2D6473-DF6D-4702-B328-E0DD40540A4E}" type="datetimeFigureOut">
               <a:rPr lang="en-US" smtClean="0"/>
-              <a:t>4/22/18</a:t>
+              <a:t>4/23/18</a:t>
             </a:fld>
             <a:endParaRPr lang="en-US" dirty="0"/>
           </a:p>
@@ -2438,7 +2438,7 @@
           <a:p>
             <a:fld id="{E26F7E3A-B166-407D-9866-32884E7D5B37}" type="datetimeFigureOut">
               <a:rPr lang="en-US" smtClean="0"/>
-              <a:t>4/22/18</a:t>
+              <a:t>4/23/18</a:t>
             </a:fld>
             <a:endParaRPr lang="en-US" dirty="0"/>
           </a:p>
@@ -2608,7 +2608,7 @@
           <a:p>
             <a:fld id="{528FC5F6-F338-4AE4-BB23-26385BCFC423}" type="datetimeFigureOut">
               <a:rPr lang="en-US" smtClean="0"/>
-              <a:t>4/22/18</a:t>
+              <a:t>4/23/18</a:t>
             </a:fld>
             <a:endParaRPr lang="en-US" dirty="0"/>
           </a:p>
@@ -2951,7 +2951,7 @@
           <a:p>
             <a:fld id="{20EBB0C4-6273-4C6E-B9BD-2EDC30F1CD52}" type="datetimeFigureOut">
               <a:rPr lang="en-US" smtClean="0"/>
-              <a:t>4/22/18</a:t>
+              <a:t>4/23/18</a:t>
             </a:fld>
             <a:endParaRPr lang="en-US" dirty="0"/>
           </a:p>
@@ -3226,7 +3226,7 @@
           <a:p>
             <a:fld id="{19AB4D41-86C1-4908-B66A-0B50CEB3BF29}" type="datetimeFigureOut">
               <a:rPr lang="en-US" smtClean="0"/>
-              <a:t>4/22/18</a:t>
+              <a:t>4/23/18</a:t>
             </a:fld>
             <a:endParaRPr lang="en-US" dirty="0"/>
           </a:p>
@@ -3605,7 +3605,7 @@
           <a:p>
             <a:fld id="{E6426E2C-56C1-4E0D-A793-0088A7FDD37E}" type="datetimeFigureOut">
               <a:rPr lang="en-US" smtClean="0"/>
-              <a:t>4/22/18</a:t>
+              <a:t>4/23/18</a:t>
             </a:fld>
             <a:endParaRPr lang="en-US" dirty="0"/>
           </a:p>
@@ -3723,7 +3723,7 @@
           <a:p>
             <a:fld id="{C8C39B41-D8B5-4052-B551-9B5525EAA8B6}" type="datetimeFigureOut">
               <a:rPr lang="en-US" smtClean="0"/>
-              <a:t>4/22/18</a:t>
+              <a:t>4/23/18</a:t>
             </a:fld>
             <a:endParaRPr lang="en-US" dirty="0"/>
           </a:p>
@@ -3894,7 +3894,7 @@
           <a:p>
             <a:fld id="{4D94136C-8742-45B2-AF27-D93DF72833A9}" type="datetimeFigureOut">
               <a:rPr lang="en-US" smtClean="0"/>
-              <a:t>4/22/18</a:t>
+              <a:t>4/23/18</a:t>
             </a:fld>
             <a:endParaRPr lang="en-US" dirty="0"/>
           </a:p>
@@ -4249,7 +4249,7 @@
           <a:p>
             <a:fld id="{32ABBEA6-7C60-4B02-AE87-00D78D8422AF}" type="datetimeFigureOut">
               <a:rPr lang="en-US" smtClean="0"/>
-              <a:t>4/22/18</a:t>
+              <a:t>4/23/18</a:t>
             </a:fld>
             <a:endParaRPr lang="en-US" dirty="0"/>
           </a:p>
@@ -4627,7 +4627,7 @@
           <a:p>
             <a:fld id="{C9CAD897-D46E-4AD2-BD9B-49DD3E640873}" type="datetimeFigureOut">
               <a:rPr lang="en-US" smtClean="0"/>
-              <a:t>4/22/18</a:t>
+              <a:t>4/23/18</a:t>
             </a:fld>
             <a:endParaRPr lang="en-US" dirty="0"/>
           </a:p>
@@ -4914,7 +4914,7 @@
           <a:p>
             <a:fld id="{98624D31-43A5-475A-80CF-332C9F6DCF35}" type="datetimeFigureOut">
               <a:rPr lang="en-US" smtClean="0"/>
-              <a:t>4/22/18</a:t>
+              <a:t>4/23/18</a:t>
             </a:fld>
             <a:endParaRPr lang="en-US" dirty="0"/>
           </a:p>
@@ -7927,29 +7927,7 @@
                   <a:schemeClr val="tx1"/>
                 </a:solidFill>
               </a:rPr>
-              <a:t> Properties, </a:t>
-            </a:r>
-            <a:r>
-              <a:rPr lang="en-US" sz="3200" b="0" cap="none" spc="0" dirty="0" smtClean="0">
-                <a:ln w="0">
-                  <a:noFill/>
-                </a:ln>
-                <a:solidFill>
-                  <a:schemeClr val="tx1"/>
-                </a:solidFill>
-              </a:rPr>
-              <a:t>5 </a:t>
-            </a:r>
-            <a:r>
-              <a:rPr lang="en-US" sz="3200" b="0" cap="none" spc="0" dirty="0" smtClean="0">
-                <a:ln w="0">
-                  <a:noFill/>
-                </a:ln>
-                <a:solidFill>
-                  <a:schemeClr val="tx1"/>
-                </a:solidFill>
-              </a:rPr>
-              <a:t>Sets</a:t>
+              <a:t> Properties, 5 Sets</a:t>
             </a:r>
           </a:p>
         </p:txBody>

--- a/SetPresentation.pptx
+++ b/SetPresentation.pptx
@@ -208,7 +208,7 @@
           <a:p>
             <a:fld id="{68940B21-D22E-2E4B-A365-DD59F0F01079}" type="datetimeFigureOut">
               <a:rPr lang="en-US" smtClean="0"/>
-              <a:t>4/23/18</a:t>
+              <a:t>5/8/18</a:t>
             </a:fld>
             <a:endParaRPr lang="en-US"/>
           </a:p>
@@ -1974,7 +1974,7 @@
           <a:p>
             <a:fld id="{4BDF68E2-58F2-4D09-BE8B-E3BD06533059}" type="datetimeFigureOut">
               <a:rPr lang="en-US" smtClean="0"/>
-              <a:t>4/23/18</a:t>
+              <a:t>5/8/18</a:t>
             </a:fld>
             <a:endParaRPr lang="en-US" dirty="0"/>
           </a:p>
@@ -2182,7 +2182,7 @@
           <a:p>
             <a:fld id="{2E2D6473-DF6D-4702-B328-E0DD40540A4E}" type="datetimeFigureOut">
               <a:rPr lang="en-US" smtClean="0"/>
-              <a:t>4/23/18</a:t>
+              <a:t>5/8/18</a:t>
             </a:fld>
             <a:endParaRPr lang="en-US" dirty="0"/>
           </a:p>
@@ -2438,7 +2438,7 @@
           <a:p>
             <a:fld id="{E26F7E3A-B166-407D-9866-32884E7D5B37}" type="datetimeFigureOut">
               <a:rPr lang="en-US" smtClean="0"/>
-              <a:t>4/23/18</a:t>
+              <a:t>5/8/18</a:t>
             </a:fld>
             <a:endParaRPr lang="en-US" dirty="0"/>
           </a:p>
@@ -2608,7 +2608,7 @@
           <a:p>
             <a:fld id="{528FC5F6-F338-4AE4-BB23-26385BCFC423}" type="datetimeFigureOut">
               <a:rPr lang="en-US" smtClean="0"/>
-              <a:t>4/23/18</a:t>
+              <a:t>5/8/18</a:t>
             </a:fld>
             <a:endParaRPr lang="en-US" dirty="0"/>
           </a:p>
@@ -2951,7 +2951,7 @@
           <a:p>
             <a:fld id="{20EBB0C4-6273-4C6E-B9BD-2EDC30F1CD52}" type="datetimeFigureOut">
               <a:rPr lang="en-US" smtClean="0"/>
-              <a:t>4/23/18</a:t>
+              <a:t>5/8/18</a:t>
             </a:fld>
             <a:endParaRPr lang="en-US" dirty="0"/>
           </a:p>
@@ -3226,7 +3226,7 @@
           <a:p>
             <a:fld id="{19AB4D41-86C1-4908-B66A-0B50CEB3BF29}" type="datetimeFigureOut">
               <a:rPr lang="en-US" smtClean="0"/>
-              <a:t>4/23/18</a:t>
+              <a:t>5/8/18</a:t>
             </a:fld>
             <a:endParaRPr lang="en-US" dirty="0"/>
           </a:p>
@@ -3605,7 +3605,7 @@
           <a:p>
             <a:fld id="{E6426E2C-56C1-4E0D-A793-0088A7FDD37E}" type="datetimeFigureOut">
               <a:rPr lang="en-US" smtClean="0"/>
-              <a:t>4/23/18</a:t>
+              <a:t>5/8/18</a:t>
             </a:fld>
             <a:endParaRPr lang="en-US" dirty="0"/>
           </a:p>
@@ -3723,7 +3723,7 @@
           <a:p>
             <a:fld id="{C8C39B41-D8B5-4052-B551-9B5525EAA8B6}" type="datetimeFigureOut">
               <a:rPr lang="en-US" smtClean="0"/>
-              <a:t>4/23/18</a:t>
+              <a:t>5/8/18</a:t>
             </a:fld>
             <a:endParaRPr lang="en-US" dirty="0"/>
           </a:p>
@@ -3894,7 +3894,7 @@
           <a:p>
             <a:fld id="{4D94136C-8742-45B2-AF27-D93DF72833A9}" type="datetimeFigureOut">
               <a:rPr lang="en-US" smtClean="0"/>
-              <a:t>4/23/18</a:t>
+              <a:t>5/8/18</a:t>
             </a:fld>
             <a:endParaRPr lang="en-US" dirty="0"/>
           </a:p>
@@ -4249,7 +4249,7 @@
           <a:p>
             <a:fld id="{32ABBEA6-7C60-4B02-AE87-00D78D8422AF}" type="datetimeFigureOut">
               <a:rPr lang="en-US" smtClean="0"/>
-              <a:t>4/23/18</a:t>
+              <a:t>5/8/18</a:t>
             </a:fld>
             <a:endParaRPr lang="en-US" dirty="0"/>
           </a:p>
@@ -4627,7 +4627,7 @@
           <a:p>
             <a:fld id="{C9CAD897-D46E-4AD2-BD9B-49DD3E640873}" type="datetimeFigureOut">
               <a:rPr lang="en-US" smtClean="0"/>
-              <a:t>4/23/18</a:t>
+              <a:t>5/8/18</a:t>
             </a:fld>
             <a:endParaRPr lang="en-US" dirty="0"/>
           </a:p>
@@ -4914,7 +4914,7 @@
           <a:p>
             <a:fld id="{98624D31-43A5-475A-80CF-332C9F6DCF35}" type="datetimeFigureOut">
               <a:rPr lang="en-US" smtClean="0"/>
-              <a:t>4/23/18</a:t>
+              <a:t>5/8/18</a:t>
             </a:fld>
             <a:endParaRPr lang="en-US" dirty="0"/>
           </a:p>
